--- a/Meilensteine/3. Meilenstein.pptx
+++ b/Meilensteine/3. Meilenstein.pptx
@@ -794,6 +794,182 @@
               <a:tabLst/>
               <a:defRPr/>
             </a:pPr>
+            <a:r>
+              <a:rPr lang="de-AT" dirty="0"/>
+              <a:t>Anfangs werden wir unser Schulungskonzept vorstellen</a:t>
+            </a:r>
+          </a:p>
+          <a:p>
+            <a:pPr marL="0" marR="0" lvl="0" indent="0" algn="l" defTabSz="914400" rtl="0" eaLnBrk="1" fontAlgn="auto" latinLnBrk="0" hangingPunct="1">
+              <a:lnSpc>
+                <a:spcPct val="100000"/>
+              </a:lnSpc>
+              <a:spcBef>
+                <a:spcPts val="0"/>
+              </a:spcBef>
+              <a:spcAft>
+                <a:spcPts val="0"/>
+              </a:spcAft>
+              <a:buClrTx/>
+              <a:buSzTx/>
+              <a:buFontTx/>
+              <a:buNone/>
+              <a:tabLst/>
+              <a:defRPr/>
+            </a:pPr>
+            <a:endParaRPr lang="de-AT" dirty="0"/>
+          </a:p>
+          <a:p>
+            <a:pPr marL="0" marR="0" lvl="0" indent="0" algn="l" defTabSz="914400" rtl="0" eaLnBrk="1" fontAlgn="auto" latinLnBrk="0" hangingPunct="1">
+              <a:lnSpc>
+                <a:spcPct val="100000"/>
+              </a:lnSpc>
+              <a:spcBef>
+                <a:spcPts val="0"/>
+              </a:spcBef>
+              <a:spcAft>
+                <a:spcPts val="0"/>
+              </a:spcAft>
+              <a:buClrTx/>
+              <a:buSzTx/>
+              <a:buFontTx/>
+              <a:buNone/>
+              <a:tabLst/>
+              <a:defRPr/>
+            </a:pPr>
+            <a:r>
+              <a:rPr lang="de-AT" dirty="0"/>
+              <a:t>Danach werden wir unseren aktuellen Stand der CRM-Umsetzung herzeigen</a:t>
+            </a:r>
+          </a:p>
+          <a:p>
+            <a:pPr marL="0" marR="0" lvl="0" indent="0" algn="l" defTabSz="914400" rtl="0" eaLnBrk="1" fontAlgn="auto" latinLnBrk="0" hangingPunct="1">
+              <a:lnSpc>
+                <a:spcPct val="100000"/>
+              </a:lnSpc>
+              <a:spcBef>
+                <a:spcPts val="0"/>
+              </a:spcBef>
+              <a:spcAft>
+                <a:spcPts val="0"/>
+              </a:spcAft>
+              <a:buClrTx/>
+              <a:buSzTx/>
+              <a:buFontTx/>
+              <a:buNone/>
+              <a:tabLst/>
+              <a:defRPr/>
+            </a:pPr>
+            <a:endParaRPr lang="de-AT" dirty="0"/>
+          </a:p>
+          <a:p>
+            <a:pPr marL="0" marR="0" lvl="0" indent="0" algn="l" defTabSz="914400" rtl="0" eaLnBrk="1" fontAlgn="auto" latinLnBrk="0" hangingPunct="1">
+              <a:lnSpc>
+                <a:spcPct val="100000"/>
+              </a:lnSpc>
+              <a:spcBef>
+                <a:spcPts val="0"/>
+              </a:spcBef>
+              <a:spcAft>
+                <a:spcPts val="0"/>
+              </a:spcAft>
+              <a:buClrTx/>
+              <a:buSzTx/>
+              <a:buFontTx/>
+              <a:buNone/>
+              <a:tabLst/>
+              <a:defRPr/>
+            </a:pPr>
+            <a:r>
+              <a:rPr lang="de-AT" dirty="0" err="1"/>
+              <a:t>Weiters</a:t>
+            </a:r>
+            <a:r>
+              <a:rPr lang="de-AT" dirty="0"/>
+              <a:t> werden wir über unsere offenen Punkte reden und auch die nächsten Schritte besprechen</a:t>
+            </a:r>
+          </a:p>
+          <a:p>
+            <a:pPr marL="0" marR="0" lvl="0" indent="0" algn="l" defTabSz="914400" rtl="0" eaLnBrk="1" fontAlgn="auto" latinLnBrk="0" hangingPunct="1">
+              <a:lnSpc>
+                <a:spcPct val="100000"/>
+              </a:lnSpc>
+              <a:spcBef>
+                <a:spcPts val="0"/>
+              </a:spcBef>
+              <a:spcAft>
+                <a:spcPts val="0"/>
+              </a:spcAft>
+              <a:buClrTx/>
+              <a:buSzTx/>
+              <a:buFontTx/>
+              <a:buNone/>
+              <a:tabLst/>
+              <a:defRPr/>
+            </a:pPr>
+            <a:endParaRPr lang="de-AT" dirty="0"/>
+          </a:p>
+          <a:p>
+            <a:pPr marL="0" marR="0" lvl="0" indent="0" algn="l" defTabSz="914400" rtl="0" eaLnBrk="1" fontAlgn="auto" latinLnBrk="0" hangingPunct="1">
+              <a:lnSpc>
+                <a:spcPct val="100000"/>
+              </a:lnSpc>
+              <a:spcBef>
+                <a:spcPts val="0"/>
+              </a:spcBef>
+              <a:spcAft>
+                <a:spcPts val="0"/>
+              </a:spcAft>
+              <a:buClrTx/>
+              <a:buSzTx/>
+              <a:buFontTx/>
+              <a:buNone/>
+              <a:tabLst/>
+              <a:defRPr/>
+            </a:pPr>
+            <a:r>
+              <a:rPr lang="de-AT" dirty="0"/>
+              <a:t>Abschließend wird es noch eine Diskussionsrunde geben, falls notwendig</a:t>
+            </a:r>
+          </a:p>
+          <a:p>
+            <a:pPr marL="0" marR="0" lvl="0" indent="0" algn="l" defTabSz="914400" rtl="0" eaLnBrk="1" fontAlgn="auto" latinLnBrk="0" hangingPunct="1">
+              <a:lnSpc>
+                <a:spcPct val="100000"/>
+              </a:lnSpc>
+              <a:spcBef>
+                <a:spcPts val="0"/>
+              </a:spcBef>
+              <a:spcAft>
+                <a:spcPts val="0"/>
+              </a:spcAft>
+              <a:buClrTx/>
+              <a:buSzTx/>
+              <a:buFontTx/>
+              <a:buNone/>
+              <a:tabLst/>
+              <a:defRPr/>
+            </a:pPr>
+            <a:endParaRPr lang="de-AT" dirty="0"/>
+          </a:p>
+          <a:p>
+            <a:pPr marL="0" marR="0" lvl="0" indent="0" algn="l" defTabSz="914400" rtl="0" eaLnBrk="1" fontAlgn="auto" latinLnBrk="0" hangingPunct="1">
+              <a:lnSpc>
+                <a:spcPct val="100000"/>
+              </a:lnSpc>
+              <a:spcBef>
+                <a:spcPts val="0"/>
+              </a:spcBef>
+              <a:spcAft>
+                <a:spcPts val="0"/>
+              </a:spcAft>
+              <a:buClrTx/>
+              <a:buSzTx/>
+              <a:buFontTx/>
+              <a:buNone/>
+              <a:tabLst/>
+              <a:defRPr/>
+            </a:pPr>
             <a:endParaRPr lang="de-AT" dirty="0"/>
           </a:p>
         </p:txBody>
@@ -878,6 +1054,50 @@
           <a:bodyPr/>
           <a:lstStyle/>
           <a:p>
+            <a:r>
+              <a:rPr lang="de-AT" dirty="0"/>
+              <a:t>Aufbau: zuerst eine theoretische Inputphase, dann immer größere Aktivität und Beteiligung der Schulungsteilnehmer in den weiteren Phasen</a:t>
+            </a:r>
+          </a:p>
+          <a:p>
+            <a:endParaRPr lang="de-AT" dirty="0"/>
+          </a:p>
+          <a:p>
+            <a:r>
+              <a:rPr lang="de-AT" dirty="0"/>
+              <a:t>Teilnehmer: Barbara, David, Michael </a:t>
+            </a:r>
+            <a:r>
+              <a:rPr lang="de-AT" dirty="0" err="1"/>
+              <a:t>Holubek</a:t>
+            </a:r>
+            <a:r>
+              <a:rPr lang="de-AT" dirty="0"/>
+              <a:t> und Sie Herr Koch können auch natürlich teilnehmen, falls Sie teilnehmen wollen oder es für notwendig empfinden. </a:t>
+            </a:r>
+          </a:p>
+          <a:p>
+            <a:endParaRPr lang="de-AT" dirty="0"/>
+          </a:p>
+          <a:p>
+            <a:r>
+              <a:rPr lang="de-AT" dirty="0"/>
+              <a:t>Werkzeuge: Teilnehmer sollten einen Laptop mitnehmen</a:t>
+            </a:r>
+          </a:p>
+          <a:p>
+            <a:endParaRPr lang="de-AT" dirty="0"/>
+          </a:p>
+          <a:p>
+            <a:r>
+              <a:rPr lang="de-AT" dirty="0"/>
+              <a:t>Termin: es ist nur ein Termin vorgesehen, den können wir uns am Ende der Präsentation ausmachen</a:t>
+            </a:r>
+          </a:p>
+          <a:p>
+            <a:endParaRPr lang="de-AT" dirty="0"/>
+          </a:p>
+          <a:p>
             <a:endParaRPr lang="de-AT" dirty="0"/>
           </a:p>
         </p:txBody>
@@ -961,6 +1181,349 @@
         <p:txBody>
           <a:bodyPr/>
           <a:lstStyle/>
+          <a:p>
+            <a:r>
+              <a:rPr lang="de-AT" sz="1200" b="1" kern="1200" dirty="0">
+                <a:solidFill>
+                  <a:schemeClr val="tx1"/>
+                </a:solidFill>
+                <a:effectLst/>
+                <a:latin typeface="+mn-lt"/>
+                <a:ea typeface="+mn-ea"/>
+                <a:cs typeface="+mn-cs"/>
+              </a:rPr>
+              <a:t>Theoretischer Input</a:t>
+            </a:r>
+          </a:p>
+          <a:p>
+            <a:r>
+              <a:rPr lang="de-AT" sz="1200" i="1" kern="1200" dirty="0">
+                <a:solidFill>
+                  <a:schemeClr val="tx1"/>
+                </a:solidFill>
+                <a:effectLst/>
+                <a:latin typeface="+mn-lt"/>
+                <a:ea typeface="+mn-ea"/>
+                <a:cs typeface="+mn-cs"/>
+              </a:rPr>
+              <a:t> </a:t>
+            </a:r>
+            <a:endParaRPr lang="de-AT" sz="1200" kern="1200" dirty="0">
+              <a:solidFill>
+                <a:schemeClr val="tx1"/>
+              </a:solidFill>
+              <a:effectLst/>
+              <a:latin typeface="+mn-lt"/>
+              <a:ea typeface="+mn-ea"/>
+              <a:cs typeface="+mn-cs"/>
+            </a:endParaRPr>
+          </a:p>
+          <a:p>
+            <a:pPr lvl="0"/>
+            <a:r>
+              <a:rPr lang="de-AT" sz="1200" kern="1200" dirty="0">
+                <a:solidFill>
+                  <a:schemeClr val="tx1"/>
+                </a:solidFill>
+                <a:effectLst/>
+                <a:latin typeface="+mn-lt"/>
+                <a:ea typeface="+mn-ea"/>
+                <a:cs typeface="+mn-cs"/>
+              </a:rPr>
+              <a:t>Präsentation der Ziele der Schulung</a:t>
+            </a:r>
+          </a:p>
+          <a:p>
+            <a:pPr lvl="0"/>
+            <a:r>
+              <a:rPr lang="de-AT" sz="1200" kern="1200" dirty="0">
+                <a:solidFill>
+                  <a:schemeClr val="tx1"/>
+                </a:solidFill>
+                <a:effectLst/>
+                <a:latin typeface="+mn-lt"/>
+                <a:ea typeface="+mn-ea"/>
+                <a:cs typeface="+mn-cs"/>
+              </a:rPr>
+              <a:t>Darstellung der Relevanz der Ziele</a:t>
+            </a:r>
+          </a:p>
+          <a:p>
+            <a:pPr lvl="0"/>
+            <a:r>
+              <a:rPr lang="de-AT" sz="1200" kern="1200" dirty="0">
+                <a:solidFill>
+                  <a:schemeClr val="tx1"/>
+                </a:solidFill>
+                <a:effectLst/>
+                <a:latin typeface="+mn-lt"/>
+                <a:ea typeface="+mn-ea"/>
+                <a:cs typeface="+mn-cs"/>
+              </a:rPr>
+              <a:t>Einen Überblick über die Lerninhalte vermitteln</a:t>
+            </a:r>
+          </a:p>
+          <a:p>
+            <a:pPr lvl="0"/>
+            <a:r>
+              <a:rPr lang="de-AT" sz="1200" kern="1200" dirty="0">
+                <a:solidFill>
+                  <a:schemeClr val="tx1"/>
+                </a:solidFill>
+                <a:effectLst/>
+                <a:latin typeface="+mn-lt"/>
+                <a:ea typeface="+mn-ea"/>
+                <a:cs typeface="+mn-cs"/>
+              </a:rPr>
+              <a:t>Die Vorgehensweise der weiteren Schulung erklären</a:t>
+            </a:r>
+          </a:p>
+          <a:p>
+            <a:pPr lvl="0"/>
+            <a:endParaRPr lang="de-AT" sz="1200" kern="1200" dirty="0">
+              <a:solidFill>
+                <a:schemeClr val="tx1"/>
+              </a:solidFill>
+              <a:effectLst/>
+              <a:latin typeface="+mn-lt"/>
+              <a:ea typeface="+mn-ea"/>
+              <a:cs typeface="+mn-cs"/>
+            </a:endParaRPr>
+          </a:p>
+          <a:p>
+            <a:pPr lvl="0"/>
+            <a:r>
+              <a:rPr lang="de-AT" sz="1200" kern="1200" dirty="0">
+                <a:solidFill>
+                  <a:schemeClr val="tx1"/>
+                </a:solidFill>
+                <a:effectLst/>
+                <a:latin typeface="+mn-lt"/>
+                <a:ea typeface="+mn-ea"/>
+                <a:cs typeface="+mn-cs"/>
+              </a:rPr>
+              <a:t>Einführung in die </a:t>
+            </a:r>
+            <a:r>
+              <a:rPr lang="de-AT" sz="1200" kern="1200" dirty="0" err="1">
+                <a:solidFill>
+                  <a:schemeClr val="tx1"/>
+                </a:solidFill>
+                <a:effectLst/>
+                <a:latin typeface="+mn-lt"/>
+                <a:ea typeface="+mn-ea"/>
+                <a:cs typeface="+mn-cs"/>
+              </a:rPr>
+              <a:t>CRm</a:t>
+            </a:r>
+            <a:r>
+              <a:rPr lang="de-AT" sz="1200" kern="1200" dirty="0">
+                <a:solidFill>
+                  <a:schemeClr val="tx1"/>
+                </a:solidFill>
+                <a:effectLst/>
+                <a:latin typeface="+mn-lt"/>
+                <a:ea typeface="+mn-ea"/>
+                <a:cs typeface="+mn-cs"/>
+              </a:rPr>
+              <a:t>-Lösung </a:t>
+            </a:r>
+            <a:r>
+              <a:rPr lang="de-AT" sz="1200" kern="1200" dirty="0" err="1">
+                <a:solidFill>
+                  <a:schemeClr val="tx1"/>
+                </a:solidFill>
+                <a:effectLst/>
+                <a:latin typeface="+mn-lt"/>
+                <a:ea typeface="+mn-ea"/>
+                <a:cs typeface="+mn-cs"/>
+              </a:rPr>
+              <a:t>Odoo</a:t>
+            </a:r>
+            <a:r>
+              <a:rPr lang="de-AT" sz="1200" kern="1200" dirty="0">
+                <a:solidFill>
+                  <a:schemeClr val="tx1"/>
+                </a:solidFill>
+                <a:effectLst/>
+                <a:latin typeface="+mn-lt"/>
+                <a:ea typeface="+mn-ea"/>
+                <a:cs typeface="+mn-cs"/>
+              </a:rPr>
+              <a:t>:</a:t>
+            </a:r>
+          </a:p>
+          <a:p>
+            <a:pPr lvl="0"/>
+            <a:r>
+              <a:rPr lang="de-AT" sz="1200" kern="1200" dirty="0">
+                <a:solidFill>
+                  <a:schemeClr val="tx1"/>
+                </a:solidFill>
+                <a:effectLst/>
+                <a:latin typeface="+mn-lt"/>
+                <a:ea typeface="+mn-ea"/>
+                <a:cs typeface="+mn-cs"/>
+              </a:rPr>
+              <a:t>	theoretischer Input zu </a:t>
+            </a:r>
+            <a:r>
+              <a:rPr lang="de-AT" sz="1200" kern="1200" dirty="0" err="1">
+                <a:solidFill>
+                  <a:schemeClr val="tx1"/>
+                </a:solidFill>
+                <a:effectLst/>
+                <a:latin typeface="+mn-lt"/>
+                <a:ea typeface="+mn-ea"/>
+                <a:cs typeface="+mn-cs"/>
+              </a:rPr>
+              <a:t>Odoo</a:t>
+            </a:r>
+            <a:endParaRPr lang="de-AT" sz="1200" kern="1200" dirty="0">
+              <a:solidFill>
+                <a:schemeClr val="tx1"/>
+              </a:solidFill>
+              <a:effectLst/>
+              <a:latin typeface="+mn-lt"/>
+              <a:ea typeface="+mn-ea"/>
+              <a:cs typeface="+mn-cs"/>
+            </a:endParaRPr>
+          </a:p>
+          <a:p>
+            <a:pPr lvl="0"/>
+            <a:r>
+              <a:rPr lang="de-AT" sz="1200" kern="1200" dirty="0">
+                <a:solidFill>
+                  <a:schemeClr val="tx1"/>
+                </a:solidFill>
+                <a:effectLst/>
+                <a:latin typeface="+mn-lt"/>
+                <a:ea typeface="+mn-ea"/>
+                <a:cs typeface="+mn-cs"/>
+              </a:rPr>
+              <a:t>	Vorstellung vom Design</a:t>
+            </a:r>
+          </a:p>
+          <a:p>
+            <a:pPr lvl="0"/>
+            <a:r>
+              <a:rPr lang="de-AT" sz="1200" kern="1200" dirty="0">
+                <a:solidFill>
+                  <a:schemeClr val="tx1"/>
+                </a:solidFill>
+                <a:effectLst/>
+                <a:latin typeface="+mn-lt"/>
+                <a:ea typeface="+mn-ea"/>
+                <a:cs typeface="+mn-cs"/>
+              </a:rPr>
+              <a:t>	Vorteile und Nachteile </a:t>
+            </a:r>
+          </a:p>
+          <a:p>
+            <a:pPr lvl="0"/>
+            <a:endParaRPr lang="de-AT" sz="1200" kern="1200" dirty="0">
+              <a:solidFill>
+                <a:schemeClr val="tx1"/>
+              </a:solidFill>
+              <a:effectLst/>
+              <a:latin typeface="+mn-lt"/>
+              <a:ea typeface="+mn-ea"/>
+              <a:cs typeface="+mn-cs"/>
+            </a:endParaRPr>
+          </a:p>
+          <a:p>
+            <a:pPr lvl="0"/>
+            <a:r>
+              <a:rPr lang="de-AT" sz="1200" kern="1200" dirty="0">
+                <a:solidFill>
+                  <a:schemeClr val="tx1"/>
+                </a:solidFill>
+                <a:effectLst/>
+                <a:latin typeface="+mn-lt"/>
+                <a:ea typeface="+mn-ea"/>
+                <a:cs typeface="+mn-cs"/>
+              </a:rPr>
+              <a:t>Diskussion über die Leistung des Systems</a:t>
+            </a:r>
+          </a:p>
+          <a:p>
+            <a:pPr lvl="0"/>
+            <a:r>
+              <a:rPr lang="de-AT" sz="1200" kern="1200" dirty="0">
+                <a:solidFill>
+                  <a:schemeClr val="tx1"/>
+                </a:solidFill>
+                <a:effectLst/>
+                <a:latin typeface="+mn-lt"/>
+                <a:ea typeface="+mn-ea"/>
+                <a:cs typeface="+mn-cs"/>
+              </a:rPr>
+              <a:t>	Feedback einholen</a:t>
+            </a:r>
+          </a:p>
+          <a:p>
+            <a:pPr lvl="0"/>
+            <a:r>
+              <a:rPr lang="de-AT" sz="1200" kern="1200" dirty="0">
+                <a:solidFill>
+                  <a:schemeClr val="tx1"/>
+                </a:solidFill>
+                <a:effectLst/>
+                <a:latin typeface="+mn-lt"/>
+                <a:ea typeface="+mn-ea"/>
+                <a:cs typeface="+mn-cs"/>
+              </a:rPr>
+              <a:t>	Missverständnisse und Fehler </a:t>
+            </a:r>
+            <a:r>
+              <a:rPr lang="de-AT" sz="1200" kern="1200" dirty="0" err="1">
+                <a:solidFill>
+                  <a:schemeClr val="tx1"/>
+                </a:solidFill>
+                <a:effectLst/>
+                <a:latin typeface="+mn-lt"/>
+                <a:ea typeface="+mn-ea"/>
+                <a:cs typeface="+mn-cs"/>
+              </a:rPr>
+              <a:t>ausdiskutiren</a:t>
+            </a:r>
+            <a:endParaRPr lang="de-AT" sz="1200" kern="1200" dirty="0">
+              <a:solidFill>
+                <a:schemeClr val="tx1"/>
+              </a:solidFill>
+              <a:effectLst/>
+              <a:latin typeface="+mn-lt"/>
+              <a:ea typeface="+mn-ea"/>
+              <a:cs typeface="+mn-cs"/>
+            </a:endParaRPr>
+          </a:p>
+          <a:p>
+            <a:pPr lvl="0"/>
+            <a:endParaRPr lang="de-AT" sz="1200" kern="1200" dirty="0">
+              <a:solidFill>
+                <a:schemeClr val="tx1"/>
+              </a:solidFill>
+              <a:effectLst/>
+              <a:latin typeface="+mn-lt"/>
+              <a:ea typeface="+mn-ea"/>
+              <a:cs typeface="+mn-cs"/>
+            </a:endParaRPr>
+          </a:p>
+          <a:p>
+            <a:pPr lvl="0"/>
+            <a:endParaRPr lang="de-AT" sz="1200" kern="1200" dirty="0">
+              <a:solidFill>
+                <a:schemeClr val="tx1"/>
+              </a:solidFill>
+              <a:effectLst/>
+              <a:latin typeface="+mn-lt"/>
+              <a:ea typeface="+mn-ea"/>
+              <a:cs typeface="+mn-cs"/>
+            </a:endParaRPr>
+          </a:p>
+          <a:p>
+            <a:endParaRPr lang="de-AT" dirty="0"/>
+          </a:p>
           <a:p>
             <a:endParaRPr lang="de-AT" dirty="0"/>
           </a:p>

--- a/Meilensteine/3. Meilenstein.pptx
+++ b/Meilensteine/3. Meilenstein.pptx
@@ -213,7 +213,7 @@
           <a:p>
             <a:fld id="{05E02316-A3A9-40CE-8399-988D8D269502}" type="datetimeFigureOut">
               <a:rPr lang="de-AT" smtClean="0"/>
-              <a:t>19.06.2019</a:t>
+              <a:t>19.06.19</a:t>
             </a:fld>
             <a:endParaRPr lang="de-AT"/>
           </a:p>
@@ -378,7 +378,7 @@
           <a:p>
             <a:fld id="{F5E89DEF-C035-41A2-9AFE-A6026D4C04BE}" type="datetimeFigureOut">
               <a:rPr lang="de-AT" smtClean="0"/>
-              <a:t>19.06.2019</a:t>
+              <a:t>19.06.19</a:t>
             </a:fld>
             <a:endParaRPr lang="de-AT"/>
           </a:p>
@@ -8371,10 +8371,6 @@
           <a:bodyPr/>
           <a:lstStyle/>
           <a:p>
-            <a:r>
-              <a:rPr lang="de-DE" dirty="0" err="1"/>
-              <a:t>nnnnf</a:t>
-            </a:r>
             <a:endParaRPr lang="de-DE" dirty="0"/>
           </a:p>
         </p:txBody>

--- a/Meilensteine/3. Meilenstein.pptx
+++ b/Meilensteine/3. Meilenstein.pptx
@@ -213,7 +213,7 @@
           <a:p>
             <a:fld id="{05E02316-A3A9-40CE-8399-988D8D269502}" type="datetimeFigureOut">
               <a:rPr lang="de-AT" smtClean="0"/>
-              <a:t>19.06.19</a:t>
+              <a:t>19.06.2019</a:t>
             </a:fld>
             <a:endParaRPr lang="de-AT"/>
           </a:p>
@@ -378,7 +378,7 @@
           <a:p>
             <a:fld id="{F5E89DEF-C035-41A2-9AFE-A6026D4C04BE}" type="datetimeFigureOut">
               <a:rPr lang="de-AT" smtClean="0"/>
-              <a:t>19.06.19</a:t>
+              <a:t>19.06.2019</a:t>
             </a:fld>
             <a:endParaRPr lang="de-AT"/>
           </a:p>
@@ -8372,6 +8372,12 @@
           <a:lstStyle/>
           <a:p>
             <a:endParaRPr lang="de-DE" dirty="0"/>
+          </a:p>
+          <a:p>
+            <a:r>
+              <a:rPr lang="de-DE" dirty="0"/>
+              <a:t>http://localhost:8069/web/login</a:t>
+            </a:r>
           </a:p>
         </p:txBody>
       </p:sp>
